--- a/doc/XXL-CRAWLER架构图.pptx
+++ b/doc/XXL-CRAWLER架构图.pptx
@@ -197,7 +197,7 @@
           <a:p>
             <a:fld id="{D2A48B96-639E-45A3-A0BA-2464DFDB1FAA}" type="datetimeFigureOut">
               <a:rPr lang="zh-CN" altLang="en-US" smtClean="0"/>
-              <a:t>17/12/14</a:t>
+              <a:t>18/2/7</a:t>
             </a:fld>
             <a:endParaRPr lang="zh-CN" altLang="en-US"/>
           </a:p>
@@ -707,7 +707,7 @@
           <a:p>
             <a:fld id="{D997B5FA-0921-464F-AAE1-844C04324D75}" type="datetimeFigureOut">
               <a:rPr lang="zh-CN" altLang="en-US" smtClean="0"/>
-              <a:t>17/12/14</a:t>
+              <a:t>18/2/7</a:t>
             </a:fld>
             <a:endParaRPr lang="zh-CN" altLang="en-US"/>
           </a:p>
@@ -872,7 +872,7 @@
           <a:p>
             <a:fld id="{D997B5FA-0921-464F-AAE1-844C04324D75}" type="datetimeFigureOut">
               <a:rPr lang="zh-CN" altLang="en-US" smtClean="0"/>
-              <a:t>17/12/14</a:t>
+              <a:t>18/2/7</a:t>
             </a:fld>
             <a:endParaRPr lang="zh-CN" altLang="en-US"/>
           </a:p>
@@ -1047,7 +1047,7 @@
           <a:p>
             <a:fld id="{D997B5FA-0921-464F-AAE1-844C04324D75}" type="datetimeFigureOut">
               <a:rPr lang="zh-CN" altLang="en-US" smtClean="0"/>
-              <a:t>17/12/14</a:t>
+              <a:t>18/2/7</a:t>
             </a:fld>
             <a:endParaRPr lang="zh-CN" altLang="en-US"/>
           </a:p>
@@ -1212,7 +1212,7 @@
           <a:p>
             <a:fld id="{D997B5FA-0921-464F-AAE1-844C04324D75}" type="datetimeFigureOut">
               <a:rPr lang="zh-CN" altLang="en-US" smtClean="0"/>
-              <a:t>17/12/14</a:t>
+              <a:t>18/2/7</a:t>
             </a:fld>
             <a:endParaRPr lang="zh-CN" altLang="en-US"/>
           </a:p>
@@ -1453,7 +1453,7 @@
           <a:p>
             <a:fld id="{D997B5FA-0921-464F-AAE1-844C04324D75}" type="datetimeFigureOut">
               <a:rPr lang="zh-CN" altLang="en-US" smtClean="0"/>
-              <a:t>17/12/14</a:t>
+              <a:t>18/2/7</a:t>
             </a:fld>
             <a:endParaRPr lang="zh-CN" altLang="en-US"/>
           </a:p>
@@ -1680,7 +1680,7 @@
           <a:p>
             <a:fld id="{D997B5FA-0921-464F-AAE1-844C04324D75}" type="datetimeFigureOut">
               <a:rPr lang="zh-CN" altLang="en-US" smtClean="0"/>
-              <a:t>17/12/14</a:t>
+              <a:t>18/2/7</a:t>
             </a:fld>
             <a:endParaRPr lang="zh-CN" altLang="en-US"/>
           </a:p>
@@ -2042,7 +2042,7 @@
           <a:p>
             <a:fld id="{D997B5FA-0921-464F-AAE1-844C04324D75}" type="datetimeFigureOut">
               <a:rPr lang="zh-CN" altLang="en-US" smtClean="0"/>
-              <a:t>17/12/14</a:t>
+              <a:t>18/2/7</a:t>
             </a:fld>
             <a:endParaRPr lang="zh-CN" altLang="en-US"/>
           </a:p>
@@ -2155,7 +2155,7 @@
           <a:p>
             <a:fld id="{D997B5FA-0921-464F-AAE1-844C04324D75}" type="datetimeFigureOut">
               <a:rPr lang="zh-CN" altLang="en-US" smtClean="0"/>
-              <a:t>17/12/14</a:t>
+              <a:t>18/2/7</a:t>
             </a:fld>
             <a:endParaRPr lang="zh-CN" altLang="en-US"/>
           </a:p>
@@ -2245,7 +2245,7 @@
           <a:p>
             <a:fld id="{D997B5FA-0921-464F-AAE1-844C04324D75}" type="datetimeFigureOut">
               <a:rPr lang="zh-CN" altLang="en-US" smtClean="0"/>
-              <a:t>17/12/14</a:t>
+              <a:t>18/2/7</a:t>
             </a:fld>
             <a:endParaRPr lang="zh-CN" altLang="en-US"/>
           </a:p>
@@ -2517,7 +2517,7 @@
           <a:p>
             <a:fld id="{D997B5FA-0921-464F-AAE1-844C04324D75}" type="datetimeFigureOut">
               <a:rPr lang="zh-CN" altLang="en-US" smtClean="0"/>
-              <a:t>17/12/14</a:t>
+              <a:t>18/2/7</a:t>
             </a:fld>
             <a:endParaRPr lang="zh-CN" altLang="en-US"/>
           </a:p>
@@ -2765,7 +2765,7 @@
           <a:p>
             <a:fld id="{D997B5FA-0921-464F-AAE1-844C04324D75}" type="datetimeFigureOut">
               <a:rPr lang="zh-CN" altLang="en-US" smtClean="0"/>
-              <a:t>17/12/14</a:t>
+              <a:t>18/2/7</a:t>
             </a:fld>
             <a:endParaRPr lang="zh-CN" altLang="en-US"/>
           </a:p>
@@ -2973,7 +2973,7 @@
           <a:p>
             <a:fld id="{D997B5FA-0921-464F-AAE1-844C04324D75}" type="datetimeFigureOut">
               <a:rPr lang="zh-CN" altLang="en-US" smtClean="0"/>
-              <a:t>17/12/14</a:t>
+              <a:t>18/2/7</a:t>
             </a:fld>
             <a:endParaRPr lang="zh-CN" altLang="en-US"/>
           </a:p>
@@ -3381,8 +3381,8 @@
         </p:nvSpPr>
         <p:spPr>
           <a:xfrm>
-            <a:off x="4761509" y="1401292"/>
-            <a:ext cx="2089952" cy="724870"/>
+            <a:off x="4783295" y="1361761"/>
+            <a:ext cx="2089952" cy="554757"/>
           </a:xfrm>
           <a:prstGeom prst="flowChartAlternateProcess">
             <a:avLst/>
@@ -3439,13 +3439,15 @@
       <p:cxnSp>
         <p:nvCxnSpPr>
           <p:cNvPr id="66" name="直线箭头连接符 65"/>
-          <p:cNvCxnSpPr/>
+          <p:cNvCxnSpPr>
+            <a:stCxn id="59" idx="2"/>
+          </p:cNvCxnSpPr>
           <p:nvPr/>
         </p:nvCxnSpPr>
         <p:spPr>
-          <a:xfrm flipH="1">
-            <a:off x="5433762" y="2448739"/>
-            <a:ext cx="9776" cy="1079159"/>
+          <a:xfrm>
+            <a:off x="5828271" y="1916518"/>
+            <a:ext cx="0" cy="1654461"/>
           </a:xfrm>
           <a:prstGeom prst="straightConnector1">
             <a:avLst/>
@@ -3535,8 +3537,8 @@
         </p:nvSpPr>
         <p:spPr>
           <a:xfrm>
-            <a:off x="8063162" y="2556159"/>
-            <a:ext cx="2089952" cy="698895"/>
+            <a:off x="8063162" y="2481151"/>
+            <a:ext cx="2089952" cy="554757"/>
           </a:xfrm>
           <a:prstGeom prst="flowChartAlternateProcess">
             <a:avLst/>
@@ -3854,8 +3856,8 @@
         </p:nvSpPr>
         <p:spPr>
           <a:xfrm>
-            <a:off x="8063162" y="1401292"/>
-            <a:ext cx="2089951" cy="730857"/>
+            <a:off x="8063163" y="1356887"/>
+            <a:ext cx="2089951" cy="554758"/>
           </a:xfrm>
           <a:prstGeom prst="flowChartAlternateProcess">
             <a:avLst/>
@@ -3914,13 +3916,14 @@
           <p:cNvPr id="88" name="直线箭头连接符 87"/>
           <p:cNvCxnSpPr>
             <a:stCxn id="166" idx="0"/>
+            <a:endCxn id="75" idx="1"/>
           </p:cNvCxnSpPr>
           <p:nvPr/>
         </p:nvCxnSpPr>
         <p:spPr>
           <a:xfrm rot="5400000" flipH="1" flipV="1">
-            <a:off x="6526646" y="2201376"/>
-            <a:ext cx="649630" cy="2046381"/>
+            <a:off x="6550291" y="2036511"/>
+            <a:ext cx="790851" cy="2234891"/>
           </a:xfrm>
           <a:prstGeom prst="bentConnector2">
             <a:avLst/>
@@ -3948,13 +3951,16 @@
       <p:cxnSp>
         <p:nvCxnSpPr>
           <p:cNvPr id="105" name="直线箭头连接符 104"/>
-          <p:cNvCxnSpPr/>
+          <p:cNvCxnSpPr>
+            <a:stCxn id="75" idx="0"/>
+            <a:endCxn id="85" idx="2"/>
+          </p:cNvCxnSpPr>
           <p:nvPr/>
         </p:nvCxnSpPr>
         <p:spPr>
-          <a:xfrm flipH="1" flipV="1">
-            <a:off x="9083469" y="2170798"/>
-            <a:ext cx="10380" cy="375972"/>
+          <a:xfrm flipV="1">
+            <a:off x="9108138" y="1911645"/>
+            <a:ext cx="1" cy="569506"/>
           </a:xfrm>
           <a:prstGeom prst="straightConnector1">
             <a:avLst/>
@@ -4037,13 +4043,15 @@
       <p:cxnSp>
         <p:nvCxnSpPr>
           <p:cNvPr id="113" name="直线箭头连接符 112"/>
-          <p:cNvCxnSpPr/>
+          <p:cNvCxnSpPr>
+            <a:endCxn id="166" idx="1"/>
+          </p:cNvCxnSpPr>
           <p:nvPr/>
         </p:nvCxnSpPr>
         <p:spPr>
           <a:xfrm>
-            <a:off x="3753314" y="4391494"/>
-            <a:ext cx="906212" cy="0"/>
+            <a:off x="3680443" y="4456739"/>
+            <a:ext cx="1102852" cy="0"/>
           </a:xfrm>
           <a:prstGeom prst="straightConnector1">
             <a:avLst/>
@@ -4264,12 +4272,12 @@
               <a:defRPr/>
             </a:pPr>
             <a:r>
-              <a:rPr kumimoji="1" lang="zh-CN" altLang="en-US" sz="1867" kern="0" dirty="0">
+              <a:rPr kumimoji="1" lang="en-US" altLang="zh-CN" sz="1867" kern="0" dirty="0" smtClean="0">
                 <a:latin typeface="Microsoft YaHei" charset="0"/>
                 <a:ea typeface="Microsoft YaHei" charset="0"/>
                 <a:cs typeface="Microsoft YaHei" charset="0"/>
               </a:rPr>
-              <a:t>采集线程</a:t>
+              <a:t>Crawler</a:t>
             </a:r>
             <a:r>
               <a:rPr kumimoji="1" lang="zh-CN" altLang="en-US" sz="1867" kern="0" dirty="0" smtClean="0">
@@ -4277,7 +4285,15 @@
                 <a:ea typeface="Microsoft YaHei" charset="0"/>
                 <a:cs typeface="Microsoft YaHei" charset="0"/>
               </a:rPr>
-              <a:t>池</a:t>
+              <a:t> </a:t>
+            </a:r>
+            <a:r>
+              <a:rPr kumimoji="1" lang="en-US" altLang="zh-CN" sz="1867" kern="0" dirty="0" smtClean="0">
+                <a:latin typeface="Microsoft YaHei" charset="0"/>
+                <a:ea typeface="Microsoft YaHei" charset="0"/>
+                <a:cs typeface="Microsoft YaHei" charset="0"/>
+              </a:rPr>
+              <a:t>Pool</a:t>
             </a:r>
             <a:endParaRPr kumimoji="1" lang="zh-CN" altLang="en-US" sz="1867" kern="0" dirty="0">
               <a:latin typeface="Microsoft YaHei" charset="0"/>
@@ -4329,12 +4345,12 @@
               <a:defRPr/>
             </a:pPr>
             <a:r>
-              <a:rPr kumimoji="1" lang="en-US" altLang="zh-CN" sz="1867" kern="0" dirty="0" smtClean="0">
+              <a:rPr kumimoji="1" lang="en-US" altLang="zh-CN" sz="1867" kern="0" smtClean="0">
                 <a:latin typeface="Microsoft YaHei" charset="0"/>
                 <a:ea typeface="Microsoft YaHei" charset="0"/>
                 <a:cs typeface="Microsoft YaHei" charset="0"/>
               </a:rPr>
-              <a:t>Crawler</a:t>
+              <a:t>PageLoader</a:t>
             </a:r>
             <a:endParaRPr kumimoji="1" lang="zh-CN" altLang="en-US" sz="1867" kern="0" dirty="0">
               <a:latin typeface="Microsoft YaHei" charset="0"/>
@@ -4404,13 +4420,16 @@
       <p:cxnSp>
         <p:nvCxnSpPr>
           <p:cNvPr id="176" name="直线箭头连接符 175"/>
-          <p:cNvCxnSpPr/>
+          <p:cNvCxnSpPr>
+            <a:stCxn id="80" idx="1"/>
+            <a:endCxn id="166" idx="3"/>
+          </p:cNvCxnSpPr>
           <p:nvPr/>
         </p:nvCxnSpPr>
         <p:spPr>
-          <a:xfrm flipH="1" flipV="1">
-            <a:off x="6983374" y="4427697"/>
-            <a:ext cx="901609" cy="466"/>
+          <a:xfrm flipH="1">
+            <a:off x="6873247" y="4456739"/>
+            <a:ext cx="1189915" cy="0"/>
           </a:xfrm>
           <a:prstGeom prst="straightConnector1">
             <a:avLst/>
@@ -4492,6 +4511,43 @@
           </a:p>
         </p:txBody>
       </p:sp>
+      <p:cxnSp>
+        <p:nvCxnSpPr>
+          <p:cNvPr id="29" name="直线箭头连接符 28"/>
+          <p:cNvCxnSpPr>
+            <a:stCxn id="75" idx="2"/>
+            <a:endCxn id="80" idx="0"/>
+          </p:cNvCxnSpPr>
+          <p:nvPr/>
+        </p:nvCxnSpPr>
+        <p:spPr>
+          <a:xfrm>
+            <a:off x="9108138" y="3035908"/>
+            <a:ext cx="0" cy="513473"/>
+          </a:xfrm>
+          <a:prstGeom prst="straightConnector1">
+            <a:avLst/>
+          </a:prstGeom>
+          <a:ln w="38100">
+            <a:headEnd type="none"/>
+            <a:tailEnd type="triangle" w="med" len="lg"/>
+          </a:ln>
+        </p:spPr>
+        <p:style>
+          <a:lnRef idx="3">
+            <a:schemeClr val="accent1"/>
+          </a:lnRef>
+          <a:fillRef idx="0">
+            <a:schemeClr val="accent1"/>
+          </a:fillRef>
+          <a:effectRef idx="2">
+            <a:schemeClr val="accent1"/>
+          </a:effectRef>
+          <a:fontRef idx="minor">
+            <a:schemeClr val="tx1"/>
+          </a:fontRef>
+        </p:style>
+      </p:cxnSp>
     </p:spTree>
     <p:extLst>
       <p:ext uri="{BB962C8B-B14F-4D97-AF65-F5344CB8AC3E}">
